--- a/201601227 박상제 데이터분석 진행상황 보고.pptx
+++ b/201601227 박상제 데이터분석 진행상황 보고.pptx
@@ -104,6 +104,11 @@
       </a:defRPr>
     </a:lvl9pPr>
   </p:defaultTextStyle>
+  <p:extLst>
+    <p:ext uri="{EFAFB233-063F-42B5-8137-9DF3F51BA10A}">
+      <p15:sldGuideLst xmlns:p15="http://schemas.microsoft.com/office/powerpoint/2012/main"/>
+    </p:ext>
+  </p:extLst>
 </p:presentation>
 </file>
 
@@ -3449,13 +3454,24 @@
             </a:r>
             <a:r>
               <a:rPr lang="en-US" altLang="ko-KR" dirty="0"/>
-              <a:t>＂</a:t>
+              <a:t>“,”</a:t>
             </a:r>
             <a:r>
               <a:rPr lang="ko-KR" altLang="en-US" dirty="0"/>
-              <a:t>라는 주제로 한국과 해외 댓글 비교 분석 진행</a:t>
-            </a:r>
-            <a:endParaRPr lang="en-US" altLang="ko-KR" dirty="0"/>
+              <a:t>코로나 바이러스</a:t>
+            </a:r>
+            <a:r>
+              <a:rPr lang="en-US" altLang="ko-KR" dirty="0"/>
+              <a:t>“</a:t>
+            </a:r>
+            <a:r>
+              <a:rPr lang="ko-KR" altLang="en-US" dirty="0"/>
+              <a:t>관련 단어들을 기준으로 한국과 해외의 댓글을 비교 분석함</a:t>
+            </a:r>
+            <a:r>
+              <a:rPr lang="en-US" altLang="ko-KR" dirty="0"/>
+              <a:t>.</a:t>
+            </a:r>
           </a:p>
           <a:p>
             <a:pPr lvl="1"/>
